--- a/Later/JavaIO/JavaIO_68/Java PipedReader and PipedWriter classes.pptx
+++ b/Later/JavaIO/JavaIO_68/Java PipedReader and PipedWriter classes.pptx
@@ -4056,7 +4056,6 @@
               <a:rPr lang="en-US" sz="1200" dirty="0"/>
               <a:t>Java PipedReader and PipedWriter classes</a:t>
             </a:r>
-            <a:endParaRPr lang="en-US" sz="1200" dirty="0"/>
           </a:p>
         </p:txBody>
       </p:sp>
@@ -4114,8 +4113,8 @@
         </p:nvSpPr>
         <p:spPr>
           <a:xfrm>
-            <a:off x="457200" y="762000"/>
-            <a:ext cx="8458200" cy="1066800"/>
+            <a:off x="457200" y="381000"/>
+            <a:ext cx="8458200" cy="1447800"/>
           </a:xfrm>
           <a:prstGeom prst="wedgeRoundRectCallout">
             <a:avLst>
@@ -4155,6 +4154,20 @@
               <a:buFont typeface="Wingdings" pitchFamily="2" charset="2"/>
               <a:buChar char="ü"/>
             </a:pPr>
+            <a:endParaRPr lang="en-US" sz="1200" dirty="0" smtClean="0"/>
+          </a:p>
+          <a:p>
+            <a:pPr marL="171450" indent="-171450">
+              <a:buFont typeface="Wingdings" pitchFamily="2" charset="2"/>
+              <a:buChar char="ü"/>
+            </a:pPr>
+            <a:endParaRPr lang="en-US" sz="1200" dirty="0"/>
+          </a:p>
+          <a:p>
+            <a:pPr marL="171450" indent="-171450">
+              <a:buFont typeface="Wingdings" pitchFamily="2" charset="2"/>
+              <a:buChar char="ü"/>
+            </a:pPr>
             <a:r>
               <a:rPr lang="en-US" sz="1200" dirty="0" smtClean="0"/>
               <a:t>The</a:t>
@@ -4262,8 +4275,92 @@
             </a:r>
             <a:r>
               <a:rPr lang="en-US" sz="1200" dirty="0"/>
-              <a:t>class.</a:t>
-            </a:r>
+              <a:t>class</a:t>
+            </a:r>
+            <a:r>
+              <a:rPr lang="en-US" sz="1200" dirty="0" smtClean="0"/>
+              <a:t>.</a:t>
+            </a:r>
+          </a:p>
+          <a:p>
+            <a:pPr marL="171450" indent="-171450">
+              <a:buFont typeface="Wingdings" pitchFamily="2" charset="2"/>
+              <a:buChar char="ü"/>
+            </a:pPr>
+            <a:endParaRPr lang="en-US" sz="1200" dirty="0"/>
+          </a:p>
+          <a:p>
+            <a:pPr marL="171450" indent="-171450">
+              <a:buFont typeface="Wingdings" pitchFamily="2" charset="2"/>
+              <a:buChar char="ü"/>
+            </a:pPr>
+            <a:r>
+              <a:rPr lang="en-US" sz="1200" dirty="0" smtClean="0">
+                <a:solidFill>
+                  <a:srgbClr val="C00000"/>
+                </a:solidFill>
+              </a:rPr>
+              <a:t>PipedWriter</a:t>
+            </a:r>
+            <a:r>
+              <a:rPr lang="en-US" sz="1200" b="1" dirty="0" smtClean="0">
+                <a:solidFill>
+                  <a:srgbClr val="C00000"/>
+                </a:solidFill>
+              </a:rPr>
+              <a:t> </a:t>
+            </a:r>
+            <a:r>
+              <a:rPr lang="en-US" sz="1200" dirty="0"/>
+              <a:t>is Piped </a:t>
+            </a:r>
+            <a:r>
+              <a:rPr lang="en-US" sz="1200" dirty="0"/>
+              <a:t>character-output </a:t>
+            </a:r>
+            <a:r>
+              <a:rPr lang="en-US" sz="1200" dirty="0" smtClean="0"/>
+              <a:t>streams and </a:t>
+            </a:r>
+            <a:r>
+              <a:rPr lang="en-US" sz="1200" dirty="0" smtClean="0">
+                <a:solidFill>
+                  <a:srgbClr val="C00000"/>
+                </a:solidFill>
+              </a:rPr>
+              <a:t>PipedReader</a:t>
+            </a:r>
+            <a:r>
+              <a:rPr lang="en-US" sz="1200" dirty="0" smtClean="0">
+                <a:solidFill>
+                  <a:srgbClr val="C00000"/>
+                </a:solidFill>
+              </a:rPr>
+              <a:t> </a:t>
+            </a:r>
+            <a:r>
+              <a:rPr lang="en-US" sz="1200" dirty="0" smtClean="0"/>
+              <a:t>is Piped </a:t>
+            </a:r>
+            <a:r>
+              <a:rPr lang="en-US" sz="1200" dirty="0"/>
+              <a:t>character-input streams.</a:t>
+            </a:r>
+            <a:endParaRPr lang="en-US" sz="1200" dirty="0" smtClean="0"/>
+          </a:p>
+          <a:p>
+            <a:pPr marL="171450" indent="-171450">
+              <a:buFont typeface="Wingdings" pitchFamily="2" charset="2"/>
+              <a:buChar char="ü"/>
+            </a:pPr>
+            <a:endParaRPr lang="en-US" sz="1200" dirty="0"/>
+          </a:p>
+          <a:p>
+            <a:pPr marL="171450" indent="-171450">
+              <a:buFont typeface="Wingdings" pitchFamily="2" charset="2"/>
+              <a:buChar char="ü"/>
+            </a:pPr>
+            <a:endParaRPr lang="en-US" sz="1200" dirty="0"/>
           </a:p>
           <a:p>
             <a:pPr marL="171450" indent="-171450">
@@ -4445,7 +4542,6 @@
               <a:rPr lang="en-US" sz="1200" dirty="0"/>
               <a:t>Java PipedReader and PipedWriter classes</a:t>
             </a:r>
-            <a:endParaRPr lang="en-US" sz="1200" dirty="0"/>
           </a:p>
         </p:txBody>
       </p:sp>
@@ -4626,7 +4722,6 @@
               <a:rPr lang="en-US" sz="1200" dirty="0"/>
               <a:t>Java PipedReader and PipedWriter classes</a:t>
             </a:r>
-            <a:endParaRPr lang="en-US" sz="1200" dirty="0"/>
           </a:p>
         </p:txBody>
       </p:sp>
@@ -4761,7 +4856,6 @@
               <a:rPr lang="en-US" sz="1200" dirty="0"/>
               <a:t>Java PipedReader and PipedWriter classes</a:t>
             </a:r>
-            <a:endParaRPr lang="en-US" sz="1200" dirty="0"/>
           </a:p>
         </p:txBody>
       </p:sp>
@@ -4942,7 +5036,6 @@
               <a:rPr lang="en-US" sz="1200" dirty="0"/>
               <a:t>Java PipedReader and PipedWriter classes</a:t>
             </a:r>
-            <a:endParaRPr lang="en-US" sz="1200" dirty="0"/>
           </a:p>
         </p:txBody>
       </p:sp>
@@ -5077,7 +5170,6 @@
               <a:rPr lang="en-US" sz="1200" dirty="0"/>
               <a:t>Java PipedReader and PipedWriter classes</a:t>
             </a:r>
-            <a:endParaRPr lang="en-US" sz="1200" dirty="0"/>
           </a:p>
         </p:txBody>
       </p:sp>

--- a/Later/JavaIO/JavaIO_68/Java PipedReader and PipedWriter classes.pptx
+++ b/Later/JavaIO/JavaIO_68/Java PipedReader and PipedWriter classes.pptx
@@ -4312,11 +4312,7 @@
             </a:r>
             <a:r>
               <a:rPr lang="en-US" sz="1200" dirty="0"/>
-              <a:t>is Piped </a:t>
-            </a:r>
-            <a:r>
-              <a:rPr lang="en-US" sz="1200" dirty="0"/>
-              <a:t>character-output </a:t>
+              <a:t>is Piped character-output </a:t>
             </a:r>
             <a:r>
               <a:rPr lang="en-US" sz="1200" dirty="0" smtClean="0"/>
@@ -4328,15 +4324,7 @@
                   <a:srgbClr val="C00000"/>
                 </a:solidFill>
               </a:rPr>
-              <a:t>PipedReader</a:t>
-            </a:r>
-            <a:r>
-              <a:rPr lang="en-US" sz="1200" dirty="0" smtClean="0">
-                <a:solidFill>
-                  <a:srgbClr val="C00000"/>
-                </a:solidFill>
-              </a:rPr>
-              <a:t> </a:t>
+              <a:t>PipedReader </a:t>
             </a:r>
             <a:r>
               <a:rPr lang="en-US" sz="1200" dirty="0" smtClean="0"/>
